--- a/Project_Lec_01.pptx
+++ b/Project_Lec_01.pptx
@@ -5592,11 +5592,15 @@
             </a:r>
             <a:r>
               <a:rPr kumimoji="1" lang="en-US" altLang="ko-KR" dirty="0" smtClean="0"/>
-              <a:t>/Team_0</a:t>
-            </a:r>
-            <a:r>
-              <a:rPr kumimoji="1" lang="en-US" altLang="ko-KR" dirty="0"/>
-              <a:t>x</a:t>
+              <a:t>/</a:t>
+            </a:r>
+            <a:r>
+              <a:rPr kumimoji="1" lang="ko-KR" altLang="en-US" dirty="0" smtClean="0"/>
+              <a:t>날짜</a:t>
+            </a:r>
+            <a:r>
+              <a:rPr kumimoji="1" lang="en-US" altLang="ko-KR" dirty="0" smtClean="0"/>
+              <a:t>_Presentation</a:t>
             </a:r>
             <a:endParaRPr kumimoji="1" lang="en-US" altLang="ko-KR" dirty="0" smtClean="0"/>
           </a:p>
